--- a/PPT.pptx
+++ b/PPT.pptx
@@ -11,11 +11,18 @@
     <p:sldId id="256" r:id="rId3"/>
     <p:sldId id="257" r:id="rId5"/>
     <p:sldId id="258" r:id="rId6"/>
-    <p:sldId id="259" r:id="rId7"/>
-    <p:sldId id="260" r:id="rId8"/>
-    <p:sldId id="261" r:id="rId9"/>
-    <p:sldId id="262" r:id="rId10"/>
-    <p:sldId id="267" r:id="rId11"/>
+    <p:sldId id="271" r:id="rId7"/>
+    <p:sldId id="259" r:id="rId8"/>
+    <p:sldId id="260" r:id="rId9"/>
+    <p:sldId id="261" r:id="rId10"/>
+    <p:sldId id="262" r:id="rId11"/>
+    <p:sldId id="270" r:id="rId12"/>
+    <p:sldId id="268" r:id="rId13"/>
+    <p:sldId id="272" r:id="rId14"/>
+    <p:sldId id="273" r:id="rId15"/>
+    <p:sldId id="276" r:id="rId16"/>
+    <p:sldId id="277" r:id="rId17"/>
+    <p:sldId id="267" r:id="rId18"/>
   </p:sldIdLst>
   <p:sldSz cx="12192000" cy="6858000"/>
   <p:notesSz cx="6858000" cy="9144000"/>
@@ -12777,7 +12784,7 @@
         </p:nvSpPr>
         <p:spPr>
           <a:xfrm>
-            <a:off x="2698025" y="1940325"/>
+            <a:off x="2734220" y="2082565"/>
             <a:ext cx="6718500" cy="1015800"/>
           </a:xfrm>
           <a:prstGeom prst="rect">
@@ -13351,7 +13358,7 @@
                 <a:cs typeface="Times New Roman" panose="02020603050405020304"/>
                 <a:sym typeface="Times New Roman" panose="02020603050405020304"/>
               </a:rPr>
-              <a:t>Mental Health Prediction using Machine Learning</a:t>
+              <a:t>Mental Health Prediction based on Smartphone Usage using Machine Learning</a:t>
             </a:r>
             <a:endParaRPr sz="3400" b="1">
               <a:solidFill>
@@ -13617,6 +13624,1268 @@
               <a:cs typeface="Times New Roman" panose="02020603050405020304"/>
               <a:sym typeface="Times New Roman" panose="02020603050405020304"/>
             </a:endParaRPr>
+          </a:p>
+        </p:txBody>
+      </p:sp>
+    </p:spTree>
+  </p:cSld>
+  <p:clrMapOvr>
+    <a:masterClrMapping/>
+  </p:clrMapOvr>
+</p:sld>
+</file>
+
+<file path=ppt/slides/slide10.xml><?xml version="1.0" encoding="utf-8"?>
+<p:sld xmlns:a="http://schemas.openxmlformats.org/drawingml/2006/main" xmlns:r="http://schemas.openxmlformats.org/officeDocument/2006/relationships" xmlns:p="http://schemas.openxmlformats.org/presentationml/2006/main">
+  <p:cSld>
+    <p:spTree>
+      <p:nvGrpSpPr>
+        <p:cNvPr id="1" name=""/>
+        <p:cNvGrpSpPr/>
+        <p:nvPr/>
+      </p:nvGrpSpPr>
+      <p:grpSpPr/>
+      <p:sp>
+        <p:nvSpPr>
+          <p:cNvPr id="6" name="Title 5"/>
+          <p:cNvSpPr/>
+          <p:nvPr>
+            <p:ph type="title"/>
+          </p:nvPr>
+        </p:nvSpPr>
+        <p:spPr/>
+        <p:txBody>
+          <a:bodyPr/>
+          <a:p>
+            <a:pPr algn="ctr"/>
+            <a:r>
+              <a:rPr lang="en-US" b="1">
+                <a:latin typeface="Times New Roman" panose="02020603050405020304" charset="0"/>
+                <a:cs typeface="Times New Roman" panose="02020603050405020304" charset="0"/>
+              </a:rPr>
+              <a:t>Preliminary Design</a:t>
+            </a:r>
+            <a:endParaRPr lang="en-US" b="1">
+              <a:latin typeface="Times New Roman" panose="02020603050405020304" charset="0"/>
+              <a:cs typeface="Times New Roman" panose="02020603050405020304" charset="0"/>
+            </a:endParaRPr>
+          </a:p>
+        </p:txBody>
+      </p:sp>
+      <p:sp>
+        <p:nvSpPr>
+          <p:cNvPr id="4" name="Text Placeholder 3"/>
+          <p:cNvSpPr/>
+          <p:nvPr>
+            <p:ph type="body" idx="1"/>
+          </p:nvPr>
+        </p:nvSpPr>
+        <p:spPr/>
+        <p:txBody>
+          <a:bodyPr/>
+          <a:p>
+            <a:endParaRPr lang="en-US"/>
+          </a:p>
+        </p:txBody>
+      </p:sp>
+      <p:sp>
+        <p:nvSpPr>
+          <p:cNvPr id="5" name="Slide Number Placeholder 4"/>
+          <p:cNvSpPr>
+            <a:spLocks noGrp="1"/>
+          </p:cNvSpPr>
+          <p:nvPr>
+            <p:ph type="sldNum" idx="12"/>
+          </p:nvPr>
+        </p:nvSpPr>
+        <p:spPr/>
+        <p:txBody>
+          <a:bodyPr/>
+          <a:p>
+            <a:pPr marL="0" lvl="0" indent="0" algn="r" rtl="0">
+              <a:spcBef>
+                <a:spcPts val="0"/>
+              </a:spcBef>
+              <a:spcAft>
+                <a:spcPts val="0"/>
+              </a:spcAft>
+              <a:buNone/>
+            </a:pPr>
+            <a:fld id="{00000000-1234-1234-1234-123412341234}" type="slidenum">
+              <a:rPr lang="en-US"/>
+            </a:fld>
+            <a:endParaRPr lang="en-US"/>
+          </a:p>
+        </p:txBody>
+      </p:sp>
+      <p:pic>
+        <p:nvPicPr>
+          <p:cNvPr id="2" name="Picture Placeholder 1" descr="Screenshot (83)"/>
+          <p:cNvPicPr>
+            <a:picLocks noChangeAspect="1"/>
+          </p:cNvPicPr>
+          <p:nvPr>
+            <p:ph type="pic" idx="4294967295"/>
+          </p:nvPr>
+        </p:nvPicPr>
+        <p:blipFill>
+          <a:blip r:embed="rId1"/>
+          <a:stretch>
+            <a:fillRect/>
+          </a:stretch>
+        </p:blipFill>
+        <p:spPr>
+          <a:xfrm>
+            <a:off x="3486150" y="4554220"/>
+            <a:ext cx="5220335" cy="1637030"/>
+          </a:xfrm>
+          <a:prstGeom prst="rect">
+            <a:avLst/>
+          </a:prstGeom>
+        </p:spPr>
+      </p:pic>
+      <p:pic>
+        <p:nvPicPr>
+          <p:cNvPr id="8" name="Picture 7" descr="Screenshot (84)"/>
+          <p:cNvPicPr>
+            <a:picLocks noChangeAspect="1"/>
+          </p:cNvPicPr>
+          <p:nvPr/>
+        </p:nvPicPr>
+        <p:blipFill>
+          <a:blip r:embed="rId2"/>
+          <a:stretch>
+            <a:fillRect/>
+          </a:stretch>
+        </p:blipFill>
+        <p:spPr>
+          <a:xfrm>
+            <a:off x="838200" y="1825625"/>
+            <a:ext cx="5917565" cy="2713990"/>
+          </a:xfrm>
+          <a:prstGeom prst="rect">
+            <a:avLst/>
+          </a:prstGeom>
+        </p:spPr>
+      </p:pic>
+      <p:pic>
+        <p:nvPicPr>
+          <p:cNvPr id="9" name="Picture 8" descr="Screenshot (85)"/>
+          <p:cNvPicPr>
+            <a:picLocks noChangeAspect="1"/>
+          </p:cNvPicPr>
+          <p:nvPr/>
+        </p:nvPicPr>
+        <p:blipFill>
+          <a:blip r:embed="rId3"/>
+          <a:stretch>
+            <a:fillRect/>
+          </a:stretch>
+        </p:blipFill>
+        <p:spPr>
+          <a:xfrm>
+            <a:off x="6755765" y="1892300"/>
+            <a:ext cx="4598670" cy="2661920"/>
+          </a:xfrm>
+          <a:prstGeom prst="rect">
+            <a:avLst/>
+          </a:prstGeom>
+        </p:spPr>
+      </p:pic>
+    </p:spTree>
+  </p:cSld>
+  <p:clrMapOvr>
+    <a:masterClrMapping/>
+  </p:clrMapOvr>
+</p:sld>
+</file>
+
+<file path=ppt/slides/slide11.xml><?xml version="1.0" encoding="utf-8"?>
+<p:sld xmlns:a="http://schemas.openxmlformats.org/drawingml/2006/main" xmlns:r="http://schemas.openxmlformats.org/officeDocument/2006/relationships" xmlns:p="http://schemas.openxmlformats.org/presentationml/2006/main">
+  <p:cSld>
+    <p:spTree>
+      <p:nvGrpSpPr>
+        <p:cNvPr id="1" name=""/>
+        <p:cNvGrpSpPr/>
+        <p:nvPr/>
+      </p:nvGrpSpPr>
+      <p:grpSpPr/>
+      <p:sp>
+        <p:nvSpPr>
+          <p:cNvPr id="6" name="Title 5"/>
+          <p:cNvSpPr/>
+          <p:nvPr>
+            <p:ph type="title"/>
+          </p:nvPr>
+        </p:nvSpPr>
+        <p:spPr>
+          <a:xfrm>
+            <a:off x="838200" y="269240"/>
+            <a:ext cx="10515600" cy="1122045"/>
+          </a:xfrm>
+        </p:spPr>
+        <p:txBody>
+          <a:bodyPr/>
+          <a:p>
+            <a:pPr algn="ctr"/>
+            <a:r>
+              <a:rPr lang="en-US">
+                <a:latin typeface="Times New Roman" panose="02020603050405020304" charset="0"/>
+                <a:cs typeface="Times New Roman" panose="02020603050405020304" charset="0"/>
+              </a:rPr>
+              <a:t>Methodology used</a:t>
+            </a:r>
+            <a:endParaRPr lang="en-US">
+              <a:latin typeface="Times New Roman" panose="02020603050405020304" charset="0"/>
+              <a:cs typeface="Times New Roman" panose="02020603050405020304" charset="0"/>
+            </a:endParaRPr>
+          </a:p>
+        </p:txBody>
+      </p:sp>
+      <p:sp>
+        <p:nvSpPr>
+          <p:cNvPr id="7" name="Text Placeholder 6"/>
+          <p:cNvSpPr/>
+          <p:nvPr>
+            <p:ph type="body" idx="1"/>
+          </p:nvPr>
+        </p:nvSpPr>
+        <p:spPr>
+          <a:xfrm>
+            <a:off x="838200" y="1391285"/>
+            <a:ext cx="10515600" cy="4785995"/>
+          </a:xfrm>
+        </p:spPr>
+        <p:txBody>
+          <a:bodyPr>
+            <a:normAutofit fontScale="90000" lnSpcReduction="20000"/>
+          </a:bodyPr>
+          <a:p>
+            <a:pPr marL="114300" indent="0">
+              <a:lnSpc>
+                <a:spcPct val="100000"/>
+              </a:lnSpc>
+              <a:buNone/>
+            </a:pPr>
+            <a:r>
+              <a:rPr lang="en-US" sz="3100" b="1">
+                <a:latin typeface="Times New Roman" panose="02020603050405020304" charset="0"/>
+                <a:cs typeface="Times New Roman" panose="02020603050405020304" charset="0"/>
+              </a:rPr>
+              <a:t>Data Collection </a:t>
+            </a:r>
+            <a:endParaRPr lang="en-US" sz="3100" b="1">
+              <a:latin typeface="Times New Roman" panose="02020603050405020304" charset="0"/>
+              <a:cs typeface="Times New Roman" panose="02020603050405020304" charset="0"/>
+            </a:endParaRPr>
+          </a:p>
+          <a:p>
+            <a:pPr>
+              <a:lnSpc>
+                <a:spcPct val="100000"/>
+              </a:lnSpc>
+            </a:pPr>
+            <a:r>
+              <a:rPr lang="en-US" sz="2000">
+                <a:latin typeface="Times New Roman" panose="02020603050405020304" charset="0"/>
+                <a:cs typeface="Times New Roman" panose="02020603050405020304" charset="0"/>
+              </a:rPr>
+              <a:t>Gathered raw data from various sources, like </a:t>
+            </a:r>
+            <a:r>
+              <a:rPr lang="en-US" sz="2000" b="1">
+                <a:latin typeface="Times New Roman" panose="02020603050405020304" charset="0"/>
+                <a:cs typeface="Times New Roman" panose="02020603050405020304" charset="0"/>
+              </a:rPr>
+              <a:t>surveys</a:t>
+            </a:r>
+            <a:r>
+              <a:rPr lang="en-US" sz="2000">
+                <a:latin typeface="Times New Roman" panose="02020603050405020304" charset="0"/>
+                <a:cs typeface="Times New Roman" panose="02020603050405020304" charset="0"/>
+              </a:rPr>
+              <a:t> and generated using </a:t>
+            </a:r>
+            <a:r>
+              <a:rPr lang="en-US" sz="2000" b="1">
+                <a:latin typeface="Times New Roman" panose="02020603050405020304" charset="0"/>
+                <a:cs typeface="Times New Roman" panose="02020603050405020304" charset="0"/>
+              </a:rPr>
+              <a:t>ai platforms</a:t>
+            </a:r>
+            <a:r>
+              <a:rPr lang="en-US" sz="2000">
+                <a:latin typeface="Times New Roman" panose="02020603050405020304" charset="0"/>
+                <a:cs typeface="Times New Roman" panose="02020603050405020304" charset="0"/>
+              </a:rPr>
+              <a:t> encompassing phone usage metrics and self-reported user information.</a:t>
+            </a:r>
+            <a:endParaRPr lang="en-US" sz="2000">
+              <a:latin typeface="Times New Roman" panose="02020603050405020304" charset="0"/>
+              <a:cs typeface="Times New Roman" panose="02020603050405020304" charset="0"/>
+            </a:endParaRPr>
+          </a:p>
+          <a:p>
+            <a:pPr>
+              <a:lnSpc>
+                <a:spcPct val="100000"/>
+              </a:lnSpc>
+            </a:pPr>
+            <a:r>
+              <a:rPr lang="en-US" sz="2000">
+                <a:latin typeface="Times New Roman" panose="02020603050405020304" charset="0"/>
+                <a:cs typeface="Times New Roman" panose="02020603050405020304" charset="0"/>
+              </a:rPr>
+              <a:t>The attributes included in the dataset contains demographic data, medical histories, screen times, their interpersonal and social attributes, etc.</a:t>
+            </a:r>
+            <a:r>
+              <a:rPr lang="en-US" sz="2000">
+                <a:latin typeface="Times New Roman" panose="02020603050405020304" charset="0"/>
+                <a:cs typeface="Times New Roman" panose="02020603050405020304" charset="0"/>
+              </a:rPr>
+              <a:t> </a:t>
+            </a:r>
+            <a:endParaRPr lang="en-US" sz="2000">
+              <a:latin typeface="Times New Roman" panose="02020603050405020304" charset="0"/>
+              <a:cs typeface="Times New Roman" panose="02020603050405020304" charset="0"/>
+            </a:endParaRPr>
+          </a:p>
+          <a:p>
+            <a:pPr marL="114300" indent="0">
+              <a:lnSpc>
+                <a:spcPct val="100000"/>
+              </a:lnSpc>
+              <a:buNone/>
+            </a:pPr>
+            <a:endParaRPr lang="en-US">
+              <a:latin typeface="Times New Roman" panose="02020603050405020304" charset="0"/>
+              <a:cs typeface="Times New Roman" panose="02020603050405020304" charset="0"/>
+            </a:endParaRPr>
+          </a:p>
+          <a:p>
+            <a:pPr marL="114300" indent="0">
+              <a:lnSpc>
+                <a:spcPct val="100000"/>
+              </a:lnSpc>
+              <a:buNone/>
+            </a:pPr>
+            <a:r>
+              <a:rPr lang="en-US" sz="3100" b="1">
+                <a:latin typeface="Times New Roman" panose="02020603050405020304" charset="0"/>
+                <a:cs typeface="Times New Roman" panose="02020603050405020304" charset="0"/>
+              </a:rPr>
+              <a:t>Data Preprocessing</a:t>
+            </a:r>
+            <a:r>
+              <a:rPr lang="en-US" sz="3100">
+                <a:latin typeface="Times New Roman" panose="02020603050405020304" charset="0"/>
+                <a:cs typeface="Times New Roman" panose="02020603050405020304" charset="0"/>
+              </a:rPr>
+              <a:t> </a:t>
+            </a:r>
+            <a:endParaRPr lang="en-US" sz="3100">
+              <a:latin typeface="Times New Roman" panose="02020603050405020304" charset="0"/>
+              <a:cs typeface="Times New Roman" panose="02020603050405020304" charset="0"/>
+            </a:endParaRPr>
+          </a:p>
+          <a:p>
+            <a:pPr>
+              <a:lnSpc>
+                <a:spcPct val="100000"/>
+              </a:lnSpc>
+            </a:pPr>
+            <a:r>
+              <a:rPr lang="en-US" sz="2000">
+                <a:latin typeface="Times New Roman" panose="02020603050405020304" charset="0"/>
+                <a:cs typeface="Times New Roman" panose="02020603050405020304" charset="0"/>
+              </a:rPr>
+              <a:t>Conducted meticulous manual correction of data entries to </a:t>
+            </a:r>
+            <a:r>
+              <a:rPr lang="en-US" sz="2000" b="1">
+                <a:latin typeface="Times New Roman" panose="02020603050405020304" charset="0"/>
+                <a:cs typeface="Times New Roman" panose="02020603050405020304" charset="0"/>
+              </a:rPr>
+              <a:t>rectify inaccuracies</a:t>
+            </a:r>
+            <a:r>
+              <a:rPr lang="en-US" sz="2000">
+                <a:latin typeface="Times New Roman" panose="02020603050405020304" charset="0"/>
+                <a:cs typeface="Times New Roman" panose="02020603050405020304" charset="0"/>
+              </a:rPr>
+              <a:t> and enhance dataset quality.</a:t>
+            </a:r>
+            <a:endParaRPr lang="en-US" sz="2000">
+              <a:latin typeface="Times New Roman" panose="02020603050405020304" charset="0"/>
+              <a:cs typeface="Times New Roman" panose="02020603050405020304" charset="0"/>
+            </a:endParaRPr>
+          </a:p>
+          <a:p>
+            <a:pPr>
+              <a:lnSpc>
+                <a:spcPct val="100000"/>
+              </a:lnSpc>
+            </a:pPr>
+            <a:r>
+              <a:rPr lang="en-US" sz="2000">
+                <a:latin typeface="Times New Roman" panose="02020603050405020304" charset="0"/>
+                <a:cs typeface="Times New Roman" panose="02020603050405020304" charset="0"/>
+              </a:rPr>
+              <a:t>Addressed </a:t>
+            </a:r>
+            <a:r>
+              <a:rPr lang="en-US" sz="2000" b="1">
+                <a:latin typeface="Times New Roman" panose="02020603050405020304" charset="0"/>
+                <a:cs typeface="Times New Roman" panose="02020603050405020304" charset="0"/>
+              </a:rPr>
+              <a:t>outliers and inconsistencies</a:t>
+            </a:r>
+            <a:r>
+              <a:rPr lang="en-US" sz="2000">
+                <a:latin typeface="Times New Roman" panose="02020603050405020304" charset="0"/>
+                <a:cs typeface="Times New Roman" panose="02020603050405020304" charset="0"/>
+              </a:rPr>
+              <a:t> through careful examination and correction procedures.</a:t>
+            </a:r>
+            <a:endParaRPr lang="en-US" sz="2000">
+              <a:latin typeface="Times New Roman" panose="02020603050405020304" charset="0"/>
+              <a:cs typeface="Times New Roman" panose="02020603050405020304" charset="0"/>
+            </a:endParaRPr>
+          </a:p>
+          <a:p>
+            <a:pPr>
+              <a:lnSpc>
+                <a:spcPct val="100000"/>
+              </a:lnSpc>
+            </a:pPr>
+            <a:r>
+              <a:rPr lang="en-US" sz="2000">
+                <a:latin typeface="Times New Roman" panose="02020603050405020304" charset="0"/>
+                <a:cs typeface="Times New Roman" panose="02020603050405020304" charset="0"/>
+              </a:rPr>
+              <a:t>Introduced a</a:t>
+            </a:r>
+            <a:r>
+              <a:rPr lang="en-US" sz="2000" b="1">
+                <a:latin typeface="Times New Roman" panose="02020603050405020304" charset="0"/>
+                <a:cs typeface="Times New Roman" panose="02020603050405020304" charset="0"/>
+              </a:rPr>
+              <a:t> systematic categorization </a:t>
+            </a:r>
+            <a:r>
+              <a:rPr lang="en-US" sz="2000">
+                <a:latin typeface="Times New Roman" panose="02020603050405020304" charset="0"/>
+                <a:cs typeface="Times New Roman" panose="02020603050405020304" charset="0"/>
+              </a:rPr>
+              <a:t>scheme for sleep duration, classifying data into distinct ranges for analytical clarity.</a:t>
+            </a:r>
+            <a:endParaRPr lang="en-US" sz="2000">
+              <a:latin typeface="Times New Roman" panose="02020603050405020304" charset="0"/>
+              <a:cs typeface="Times New Roman" panose="02020603050405020304" charset="0"/>
+            </a:endParaRPr>
+          </a:p>
+          <a:p>
+            <a:pPr>
+              <a:lnSpc>
+                <a:spcPct val="100000"/>
+              </a:lnSpc>
+            </a:pPr>
+            <a:r>
+              <a:rPr lang="en-US" sz="2000">
+                <a:latin typeface="Times New Roman" panose="02020603050405020304" charset="0"/>
+                <a:cs typeface="Times New Roman" panose="02020603050405020304" charset="0"/>
+              </a:rPr>
+              <a:t>Applied a similar approach to screen time, categorizing usage patterns into ranges to facilitate meaningful analysis.</a:t>
+            </a:r>
+            <a:endParaRPr lang="en-US" sz="2000">
+              <a:latin typeface="Times New Roman" panose="02020603050405020304" charset="0"/>
+              <a:cs typeface="Times New Roman" panose="02020603050405020304" charset="0"/>
+            </a:endParaRPr>
+          </a:p>
+        </p:txBody>
+      </p:sp>
+      <p:sp>
+        <p:nvSpPr>
+          <p:cNvPr id="5" name="Slide Number Placeholder 4"/>
+          <p:cNvSpPr>
+            <a:spLocks noGrp="1"/>
+          </p:cNvSpPr>
+          <p:nvPr>
+            <p:ph type="sldNum" idx="12"/>
+          </p:nvPr>
+        </p:nvSpPr>
+        <p:spPr/>
+        <p:txBody>
+          <a:bodyPr/>
+          <a:p>
+            <a:pPr marL="0" lvl="0" indent="0" algn="r" rtl="0">
+              <a:spcBef>
+                <a:spcPts val="0"/>
+              </a:spcBef>
+              <a:spcAft>
+                <a:spcPts val="0"/>
+              </a:spcAft>
+              <a:buNone/>
+            </a:pPr>
+            <a:fld id="{00000000-1234-1234-1234-123412341234}" type="slidenum">
+              <a:rPr lang="en-US"/>
+            </a:fld>
+            <a:endParaRPr lang="en-US"/>
+          </a:p>
+        </p:txBody>
+      </p:sp>
+    </p:spTree>
+  </p:cSld>
+  <p:clrMapOvr>
+    <a:masterClrMapping/>
+  </p:clrMapOvr>
+</p:sld>
+</file>
+
+<file path=ppt/slides/slide12.xml><?xml version="1.0" encoding="utf-8"?>
+<p:sld xmlns:a="http://schemas.openxmlformats.org/drawingml/2006/main" xmlns:r="http://schemas.openxmlformats.org/officeDocument/2006/relationships" xmlns:p="http://schemas.openxmlformats.org/presentationml/2006/main">
+  <p:cSld>
+    <p:spTree>
+      <p:nvGrpSpPr>
+        <p:cNvPr id="1" name=""/>
+        <p:cNvGrpSpPr/>
+        <p:nvPr/>
+      </p:nvGrpSpPr>
+      <p:grpSpPr/>
+      <p:sp>
+        <p:nvSpPr>
+          <p:cNvPr id="6" name="Title 5"/>
+          <p:cNvSpPr/>
+          <p:nvPr>
+            <p:ph type="title"/>
+          </p:nvPr>
+        </p:nvSpPr>
+        <p:spPr>
+          <a:xfrm>
+            <a:off x="838200" y="245110"/>
+            <a:ext cx="10515600" cy="1196975"/>
+          </a:xfrm>
+        </p:spPr>
+        <p:txBody>
+          <a:bodyPr>
+            <a:normAutofit/>
+          </a:bodyPr>
+          <a:p>
+            <a:pPr algn="ctr"/>
+            <a:r>
+              <a:rPr lang="en-US">
+                <a:latin typeface="Times New Roman" panose="02020603050405020304" charset="0"/>
+                <a:cs typeface="Times New Roman" panose="02020603050405020304" charset="0"/>
+                <a:sym typeface="+mn-ea"/>
+              </a:rPr>
+              <a:t>Methodology used</a:t>
+            </a:r>
+            <a:endParaRPr lang="en-US"/>
+          </a:p>
+        </p:txBody>
+      </p:sp>
+      <p:sp>
+        <p:nvSpPr>
+          <p:cNvPr id="7" name="Text Placeholder 6"/>
+          <p:cNvSpPr/>
+          <p:nvPr>
+            <p:ph type="body" idx="1"/>
+          </p:nvPr>
+        </p:nvSpPr>
+        <p:spPr>
+          <a:xfrm>
+            <a:off x="838200" y="1530985"/>
+            <a:ext cx="10515600" cy="4646295"/>
+          </a:xfrm>
+        </p:spPr>
+        <p:txBody>
+          <a:bodyPr>
+            <a:normAutofit lnSpcReduction="10000"/>
+          </a:bodyPr>
+          <a:p>
+            <a:pPr marL="114300" indent="0">
+              <a:buNone/>
+            </a:pPr>
+            <a:r>
+              <a:rPr lang="en-US" b="1">
+                <a:latin typeface="Times New Roman" panose="02020603050405020304" charset="0"/>
+                <a:cs typeface="Times New Roman" panose="02020603050405020304" charset="0"/>
+              </a:rPr>
+              <a:t>Model Evaluation</a:t>
+            </a:r>
+            <a:endParaRPr lang="en-US" b="1">
+              <a:latin typeface="Times New Roman" panose="02020603050405020304" charset="0"/>
+              <a:cs typeface="Times New Roman" panose="02020603050405020304" charset="0"/>
+            </a:endParaRPr>
+          </a:p>
+          <a:p>
+            <a:r>
+              <a:rPr lang="en-US" sz="1800">
+                <a:latin typeface="Times New Roman" panose="02020603050405020304" charset="0"/>
+                <a:cs typeface="Times New Roman" panose="02020603050405020304" charset="0"/>
+              </a:rPr>
+              <a:t>Utilized a set of predefined metrics to evaluate the different model's performances accurately, to decide the suitable classification model, i.e. </a:t>
+            </a:r>
+            <a:r>
+              <a:rPr lang="en-US" sz="1800" b="1">
+                <a:latin typeface="Times New Roman" panose="02020603050405020304" charset="0"/>
+                <a:cs typeface="Times New Roman" panose="02020603050405020304" charset="0"/>
+              </a:rPr>
+              <a:t>Gaussian Naive-Bayes </a:t>
+            </a:r>
+            <a:r>
+              <a:rPr lang="en-US" sz="1800">
+                <a:latin typeface="Times New Roman" panose="02020603050405020304" charset="0"/>
+                <a:cs typeface="Times New Roman" panose="02020603050405020304" charset="0"/>
+              </a:rPr>
+              <a:t>model </a:t>
+            </a:r>
+            <a:r>
+              <a:rPr lang="en-US" sz="1800" b="1">
+                <a:latin typeface="Times New Roman" panose="02020603050405020304" charset="0"/>
+                <a:cs typeface="Times New Roman" panose="02020603050405020304" charset="0"/>
+              </a:rPr>
+              <a:t>and Random Forest</a:t>
+            </a:r>
+            <a:r>
+              <a:rPr lang="en-US" sz="1800">
+                <a:latin typeface="Times New Roman" panose="02020603050405020304" charset="0"/>
+                <a:cs typeface="Times New Roman" panose="02020603050405020304" charset="0"/>
+              </a:rPr>
+              <a:t> which could be used.</a:t>
+            </a:r>
+            <a:endParaRPr lang="en-US" sz="1800">
+              <a:latin typeface="Times New Roman" panose="02020603050405020304" charset="0"/>
+              <a:cs typeface="Times New Roman" panose="02020603050405020304" charset="0"/>
+            </a:endParaRPr>
+          </a:p>
+          <a:p>
+            <a:r>
+              <a:rPr lang="en-US" sz="1800">
+                <a:latin typeface="Times New Roman" panose="02020603050405020304" charset="0"/>
+                <a:cs typeface="Times New Roman" panose="02020603050405020304" charset="0"/>
+              </a:rPr>
+              <a:t>Metrics included accuracy, precision, recall, and errors, providing a comprehensive understanding of the model's predictive capabilities. </a:t>
+            </a:r>
+            <a:endParaRPr lang="en-US" sz="1800">
+              <a:latin typeface="Times New Roman" panose="02020603050405020304" charset="0"/>
+              <a:cs typeface="Times New Roman" panose="02020603050405020304" charset="0"/>
+            </a:endParaRPr>
+          </a:p>
+          <a:p>
+            <a:r>
+              <a:rPr lang="en-US" sz="1800">
+                <a:latin typeface="Times New Roman" panose="02020603050405020304" charset="0"/>
+                <a:cs typeface="Times New Roman" panose="02020603050405020304" charset="0"/>
+              </a:rPr>
+              <a:t>Employed cross-validation techniques to assess the model's consistency and reliability across different subsets of the data.</a:t>
+            </a:r>
+            <a:endParaRPr lang="en-US" sz="1800">
+              <a:latin typeface="Times New Roman" panose="02020603050405020304" charset="0"/>
+              <a:cs typeface="Times New Roman" panose="02020603050405020304" charset="0"/>
+            </a:endParaRPr>
+          </a:p>
+          <a:p>
+            <a:pPr marL="114300" indent="0">
+              <a:buNone/>
+            </a:pPr>
+            <a:endParaRPr lang="en-US" sz="2000">
+              <a:latin typeface="Times New Roman" panose="02020603050405020304" charset="0"/>
+              <a:cs typeface="Times New Roman" panose="02020603050405020304" charset="0"/>
+            </a:endParaRPr>
+          </a:p>
+          <a:p>
+            <a:pPr marL="114300" indent="0">
+              <a:buNone/>
+            </a:pPr>
+            <a:r>
+              <a:rPr lang="en-US" b="1">
+                <a:latin typeface="Times New Roman" panose="02020603050405020304" charset="0"/>
+                <a:cs typeface="Times New Roman" panose="02020603050405020304" charset="0"/>
+              </a:rPr>
+              <a:t>Limitations and Future Work</a:t>
+            </a:r>
+            <a:endParaRPr lang="en-US">
+              <a:latin typeface="Times New Roman" panose="02020603050405020304" charset="0"/>
+              <a:cs typeface="Times New Roman" panose="02020603050405020304" charset="0"/>
+            </a:endParaRPr>
+          </a:p>
+          <a:p>
+            <a:r>
+              <a:rPr lang="en-US" sz="1800">
+                <a:latin typeface="Times New Roman" panose="02020603050405020304" charset="0"/>
+                <a:cs typeface="Times New Roman" panose="02020603050405020304" charset="0"/>
+              </a:rPr>
+              <a:t>Acknowledged inherent limitations in the methodology, such as potential biases in the dataset and assumptions made during model development due to the synthetic data used.</a:t>
+            </a:r>
+            <a:endParaRPr lang="en-US" sz="1800">
+              <a:latin typeface="Times New Roman" panose="02020603050405020304" charset="0"/>
+              <a:cs typeface="Times New Roman" panose="02020603050405020304" charset="0"/>
+            </a:endParaRPr>
+          </a:p>
+          <a:p>
+            <a:r>
+              <a:rPr lang="en-US" sz="1800">
+                <a:latin typeface="Times New Roman" panose="02020603050405020304" charset="0"/>
+                <a:cs typeface="Times New Roman" panose="02020603050405020304" charset="0"/>
+              </a:rPr>
+              <a:t>Identified areas for future improvement, including the exploration of additional features and the incorporation of more diverse datasets and found out the areas where real time implementation can be done.</a:t>
+            </a:r>
+            <a:endParaRPr lang="en-US" sz="1800">
+              <a:latin typeface="Times New Roman" panose="02020603050405020304" charset="0"/>
+              <a:cs typeface="Times New Roman" panose="02020603050405020304" charset="0"/>
+            </a:endParaRPr>
+          </a:p>
+        </p:txBody>
+      </p:sp>
+      <p:sp>
+        <p:nvSpPr>
+          <p:cNvPr id="5" name="Slide Number Placeholder 4"/>
+          <p:cNvSpPr>
+            <a:spLocks noGrp="1"/>
+          </p:cNvSpPr>
+          <p:nvPr>
+            <p:ph type="sldNum" idx="12"/>
+          </p:nvPr>
+        </p:nvSpPr>
+        <p:spPr/>
+        <p:txBody>
+          <a:bodyPr/>
+          <a:p>
+            <a:pPr marL="0" lvl="0" indent="0" algn="r" rtl="0">
+              <a:spcBef>
+                <a:spcPts val="0"/>
+              </a:spcBef>
+              <a:spcAft>
+                <a:spcPts val="0"/>
+              </a:spcAft>
+              <a:buNone/>
+            </a:pPr>
+            <a:fld id="{00000000-1234-1234-1234-123412341234}" type="slidenum">
+              <a:rPr lang="en-US"/>
+            </a:fld>
+            <a:endParaRPr lang="en-US"/>
+          </a:p>
+        </p:txBody>
+      </p:sp>
+    </p:spTree>
+  </p:cSld>
+  <p:clrMapOvr>
+    <a:masterClrMapping/>
+  </p:clrMapOvr>
+</p:sld>
+</file>
+
+<file path=ppt/slides/slide13.xml><?xml version="1.0" encoding="utf-8"?>
+<p:sld xmlns:a="http://schemas.openxmlformats.org/drawingml/2006/main" xmlns:r="http://schemas.openxmlformats.org/officeDocument/2006/relationships" xmlns:p="http://schemas.openxmlformats.org/presentationml/2006/main">
+  <p:cSld>
+    <p:spTree>
+      <p:nvGrpSpPr>
+        <p:cNvPr id="1" name=""/>
+        <p:cNvGrpSpPr/>
+        <p:nvPr/>
+      </p:nvGrpSpPr>
+      <p:grpSpPr/>
+      <p:sp>
+        <p:nvSpPr>
+          <p:cNvPr id="6" name="Title 5"/>
+          <p:cNvSpPr/>
+          <p:nvPr>
+            <p:ph type="title"/>
+          </p:nvPr>
+        </p:nvSpPr>
+        <p:spPr>
+          <a:xfrm>
+            <a:off x="838200" y="365125"/>
+            <a:ext cx="10515600" cy="837565"/>
+          </a:xfrm>
+        </p:spPr>
+        <p:txBody>
+          <a:bodyPr/>
+          <a:p>
+            <a:pPr algn="ctr"/>
+            <a:r>
+              <a:rPr lang="en-US">
+                <a:latin typeface="Times New Roman" panose="02020603050405020304" charset="0"/>
+                <a:cs typeface="Times New Roman" panose="02020603050405020304" charset="0"/>
+              </a:rPr>
+              <a:t>Features Analysis</a:t>
+            </a:r>
+            <a:endParaRPr lang="en-US">
+              <a:latin typeface="Times New Roman" panose="02020603050405020304" charset="0"/>
+              <a:cs typeface="Times New Roman" panose="02020603050405020304" charset="0"/>
+            </a:endParaRPr>
+          </a:p>
+        </p:txBody>
+      </p:sp>
+      <p:sp>
+        <p:nvSpPr>
+          <p:cNvPr id="7" name="Text Placeholder 6"/>
+          <p:cNvSpPr/>
+          <p:nvPr>
+            <p:ph type="body" idx="1"/>
+          </p:nvPr>
+        </p:nvSpPr>
+        <p:spPr>
+          <a:xfrm>
+            <a:off x="838200" y="1358900"/>
+            <a:ext cx="10515600" cy="4818380"/>
+          </a:xfrm>
+        </p:spPr>
+        <p:txBody>
+          <a:bodyPr>
+            <a:normAutofit/>
+          </a:bodyPr>
+          <a:p>
+            <a:pPr marL="114300" indent="0">
+              <a:buNone/>
+            </a:pPr>
+            <a:r>
+              <a:rPr lang="en-US" b="1">
+                <a:latin typeface="Times New Roman" panose="02020603050405020304" charset="0"/>
+                <a:cs typeface="Times New Roman" panose="02020603050405020304" charset="0"/>
+              </a:rPr>
+              <a:t>Phone Usage Metrics</a:t>
+            </a:r>
+            <a:endParaRPr lang="en-US" b="1">
+              <a:latin typeface="Times New Roman" panose="02020603050405020304" charset="0"/>
+              <a:cs typeface="Times New Roman" panose="02020603050405020304" charset="0"/>
+            </a:endParaRPr>
+          </a:p>
+          <a:p>
+            <a:r>
+              <a:rPr lang="en-US" sz="1800" b="1">
+                <a:latin typeface="Times New Roman" panose="02020603050405020304" charset="0"/>
+                <a:cs typeface="Times New Roman" panose="02020603050405020304" charset="0"/>
+              </a:rPr>
+              <a:t>Screen Time:</a:t>
+            </a:r>
+            <a:r>
+              <a:rPr lang="en-US" sz="1800">
+                <a:latin typeface="Times New Roman" panose="02020603050405020304" charset="0"/>
+                <a:cs typeface="Times New Roman" panose="02020603050405020304" charset="0"/>
+              </a:rPr>
+              <a:t> We are analyzing the screen times of users as they tell us about the phone usage habits of a user which are the main focus of our project.</a:t>
+            </a:r>
+            <a:endParaRPr lang="en-US" sz="1800">
+              <a:latin typeface="Times New Roman" panose="02020603050405020304" charset="0"/>
+              <a:cs typeface="Times New Roman" panose="02020603050405020304" charset="0"/>
+            </a:endParaRPr>
+          </a:p>
+          <a:p>
+            <a:r>
+              <a:rPr lang="en-US" sz="1800" b="1">
+                <a:latin typeface="Times New Roman" panose="02020603050405020304" charset="0"/>
+                <a:cs typeface="Times New Roman" panose="02020603050405020304" charset="0"/>
+              </a:rPr>
+              <a:t>App Categories:</a:t>
+            </a:r>
+            <a:r>
+              <a:rPr lang="en-US" sz="1800">
+                <a:latin typeface="Times New Roman" panose="02020603050405020304" charset="0"/>
+                <a:cs typeface="Times New Roman" panose="02020603050405020304" charset="0"/>
+              </a:rPr>
+              <a:t> We will analyze the different categories of apps used by user to indicate the bad usage which can be avoided to improve their mental health. </a:t>
+            </a:r>
+            <a:endParaRPr lang="en-US" sz="1800">
+              <a:latin typeface="Times New Roman" panose="02020603050405020304" charset="0"/>
+              <a:cs typeface="Times New Roman" panose="02020603050405020304" charset="0"/>
+            </a:endParaRPr>
+          </a:p>
+          <a:p>
+            <a:pPr marL="114300" indent="0">
+              <a:buNone/>
+            </a:pPr>
+            <a:endParaRPr lang="en-US" sz="2100">
+              <a:latin typeface="Times New Roman" panose="02020603050405020304" charset="0"/>
+              <a:cs typeface="Times New Roman" panose="02020603050405020304" charset="0"/>
+            </a:endParaRPr>
+          </a:p>
+          <a:p>
+            <a:pPr marL="114300" indent="0">
+              <a:buNone/>
+            </a:pPr>
+            <a:r>
+              <a:rPr lang="en-US" b="1">
+                <a:latin typeface="Times New Roman" panose="02020603050405020304" charset="0"/>
+                <a:cs typeface="Times New Roman" panose="02020603050405020304" charset="0"/>
+              </a:rPr>
+              <a:t>User-Provided Information</a:t>
+            </a:r>
+            <a:endParaRPr lang="en-US" b="1">
+              <a:latin typeface="Times New Roman" panose="02020603050405020304" charset="0"/>
+              <a:cs typeface="Times New Roman" panose="02020603050405020304" charset="0"/>
+            </a:endParaRPr>
+          </a:p>
+          <a:p>
+            <a:r>
+              <a:rPr lang="en-US" sz="1800" b="1">
+                <a:latin typeface="Times New Roman" panose="02020603050405020304" charset="0"/>
+                <a:cs typeface="Times New Roman" panose="02020603050405020304" charset="0"/>
+              </a:rPr>
+              <a:t>Field of Study</a:t>
+            </a:r>
+            <a:r>
+              <a:rPr lang="en-US" sz="1800">
+                <a:latin typeface="Times New Roman" panose="02020603050405020304" charset="0"/>
+                <a:cs typeface="Times New Roman" panose="02020603050405020304" charset="0"/>
+              </a:rPr>
+              <a:t>: Field of study plays a important role as it signifies the amount of usage a user should have like in marketing and computer science the usage is itself going to be high as compared to other fields thus contributing in model building. </a:t>
+            </a:r>
+            <a:endParaRPr lang="en-US" sz="1800">
+              <a:latin typeface="Times New Roman" panose="02020603050405020304" charset="0"/>
+              <a:cs typeface="Times New Roman" panose="02020603050405020304" charset="0"/>
+            </a:endParaRPr>
+          </a:p>
+          <a:p>
+            <a:r>
+              <a:rPr lang="en-US" sz="1800" b="1">
+                <a:latin typeface="Times New Roman" panose="02020603050405020304" charset="0"/>
+                <a:cs typeface="Times New Roman" panose="02020603050405020304" charset="0"/>
+              </a:rPr>
+              <a:t>Sleep Duration:</a:t>
+            </a:r>
+            <a:r>
+              <a:rPr lang="en-US" sz="1800">
+                <a:latin typeface="Times New Roman" panose="02020603050405020304" charset="0"/>
+                <a:cs typeface="Times New Roman" panose="02020603050405020304" charset="0"/>
+              </a:rPr>
+              <a:t> Sleep duration plays a significant role in deciding different effects on mental health of a user. Less sleep duration for continous days can have a bad impact on our mental health increasing stress, anxiety and depression levels. </a:t>
+            </a:r>
+            <a:endParaRPr lang="en-US" sz="1800">
+              <a:latin typeface="Times New Roman" panose="02020603050405020304" charset="0"/>
+              <a:cs typeface="Times New Roman" panose="02020603050405020304" charset="0"/>
+            </a:endParaRPr>
+          </a:p>
+        </p:txBody>
+      </p:sp>
+      <p:sp>
+        <p:nvSpPr>
+          <p:cNvPr id="5" name="Slide Number Placeholder 4"/>
+          <p:cNvSpPr>
+            <a:spLocks noGrp="1"/>
+          </p:cNvSpPr>
+          <p:nvPr>
+            <p:ph type="sldNum" idx="12"/>
+          </p:nvPr>
+        </p:nvSpPr>
+        <p:spPr/>
+        <p:txBody>
+          <a:bodyPr/>
+          <a:p>
+            <a:pPr marL="0" lvl="0" indent="0" algn="r" rtl="0">
+              <a:spcBef>
+                <a:spcPts val="0"/>
+              </a:spcBef>
+              <a:spcAft>
+                <a:spcPts val="0"/>
+              </a:spcAft>
+              <a:buNone/>
+            </a:pPr>
+            <a:fld id="{00000000-1234-1234-1234-123412341234}" type="slidenum">
+              <a:rPr lang="en-US"/>
+            </a:fld>
+            <a:endParaRPr lang="en-US"/>
+          </a:p>
+        </p:txBody>
+      </p:sp>
+    </p:spTree>
+  </p:cSld>
+  <p:clrMapOvr>
+    <a:masterClrMapping/>
+  </p:clrMapOvr>
+</p:sld>
+</file>
+
+<file path=ppt/slides/slide14.xml><?xml version="1.0" encoding="utf-8"?>
+<p:sld xmlns:a="http://schemas.openxmlformats.org/drawingml/2006/main" xmlns:r="http://schemas.openxmlformats.org/officeDocument/2006/relationships" xmlns:p="http://schemas.openxmlformats.org/presentationml/2006/main">
+  <p:cSld>
+    <p:spTree>
+      <p:nvGrpSpPr>
+        <p:cNvPr id="1" name=""/>
+        <p:cNvGrpSpPr/>
+        <p:nvPr/>
+      </p:nvGrpSpPr>
+      <p:grpSpPr/>
+      <p:sp>
+        <p:nvSpPr>
+          <p:cNvPr id="6" name="Title 5"/>
+          <p:cNvSpPr/>
+          <p:nvPr>
+            <p:ph type="title"/>
+          </p:nvPr>
+        </p:nvSpPr>
+        <p:spPr>
+          <a:xfrm>
+            <a:off x="838200" y="365125"/>
+            <a:ext cx="10515600" cy="847725"/>
+          </a:xfrm>
+        </p:spPr>
+        <p:txBody>
+          <a:bodyPr>
+            <a:normAutofit/>
+          </a:bodyPr>
+          <a:p>
+            <a:pPr algn="ctr"/>
+            <a:r>
+              <a:rPr lang="en-US">
+                <a:latin typeface="Times New Roman" panose="02020603050405020304" charset="0"/>
+                <a:cs typeface="Times New Roman" panose="02020603050405020304" charset="0"/>
+                <a:sym typeface="+mn-ea"/>
+              </a:rPr>
+              <a:t>Features Analysis</a:t>
+            </a:r>
+            <a:endParaRPr lang="en-US"/>
+          </a:p>
+        </p:txBody>
+      </p:sp>
+      <p:sp>
+        <p:nvSpPr>
+          <p:cNvPr id="7" name="Text Placeholder 6"/>
+          <p:cNvSpPr/>
+          <p:nvPr>
+            <p:ph type="body" idx="1"/>
+          </p:nvPr>
+        </p:nvSpPr>
+        <p:spPr>
+          <a:xfrm>
+            <a:off x="838200" y="1296035"/>
+            <a:ext cx="10515600" cy="4881245"/>
+          </a:xfrm>
+        </p:spPr>
+        <p:txBody>
+          <a:bodyPr>
+            <a:normAutofit/>
+          </a:bodyPr>
+          <a:p>
+            <a:pPr marL="114300" indent="0">
+              <a:buNone/>
+            </a:pPr>
+            <a:r>
+              <a:rPr lang="en-US" b="1">
+                <a:latin typeface="Times New Roman" panose="02020603050405020304" charset="0"/>
+                <a:cs typeface="Times New Roman" panose="02020603050405020304" charset="0"/>
+              </a:rPr>
+              <a:t>Feature Engineering Insights</a:t>
+            </a:r>
+            <a:endParaRPr lang="en-US" b="1">
+              <a:latin typeface="Times New Roman" panose="02020603050405020304" charset="0"/>
+              <a:cs typeface="Times New Roman" panose="02020603050405020304" charset="0"/>
+            </a:endParaRPr>
+          </a:p>
+          <a:p>
+            <a:r>
+              <a:rPr lang="en-US" sz="1800" b="1">
+                <a:latin typeface="Times New Roman" panose="02020603050405020304" charset="0"/>
+                <a:cs typeface="Times New Roman" panose="02020603050405020304" charset="0"/>
+              </a:rPr>
+              <a:t>Expected Screen Time Usage</a:t>
+            </a:r>
+            <a:r>
+              <a:rPr lang="en-US" sz="1800">
+                <a:latin typeface="Times New Roman" panose="02020603050405020304" charset="0"/>
+                <a:cs typeface="Times New Roman" panose="02020603050405020304" charset="0"/>
+              </a:rPr>
+              <a:t>:  We have calculated a value names expected screen time usage which depends on field of study like for marketing , business and computer science fields the expected screen time is supposed to be high as compared to other fields.</a:t>
+            </a:r>
+            <a:endParaRPr lang="en-US" sz="1800">
+              <a:latin typeface="Times New Roman" panose="02020603050405020304" charset="0"/>
+              <a:cs typeface="Times New Roman" panose="02020603050405020304" charset="0"/>
+            </a:endParaRPr>
+          </a:p>
+          <a:p>
+            <a:r>
+              <a:rPr lang="en-US" sz="1800" b="1">
+                <a:latin typeface="Times New Roman" panose="02020603050405020304" charset="0"/>
+                <a:cs typeface="Times New Roman" panose="02020603050405020304" charset="0"/>
+              </a:rPr>
+              <a:t>Categorized Sleep Duration:</a:t>
+            </a:r>
+            <a:r>
+              <a:rPr lang="en-US" sz="1800">
+                <a:latin typeface="Times New Roman" panose="02020603050405020304" charset="0"/>
+                <a:cs typeface="Times New Roman" panose="02020603050405020304" charset="0"/>
+              </a:rPr>
+              <a:t> We have also categorized the sleep duration in multiple ranges like below 5 hours, 5-9 hours and above 9 hours to make it easy to apply conditional changes.</a:t>
+            </a:r>
+            <a:endParaRPr lang="en-US" sz="1800">
+              <a:latin typeface="Times New Roman" panose="02020603050405020304" charset="0"/>
+              <a:cs typeface="Times New Roman" panose="02020603050405020304" charset="0"/>
+            </a:endParaRPr>
+          </a:p>
+          <a:p>
+            <a:pPr marL="114300" indent="0">
+              <a:buNone/>
+            </a:pPr>
+            <a:endParaRPr lang="en-US" sz="1800">
+              <a:latin typeface="Times New Roman" panose="02020603050405020304" charset="0"/>
+              <a:cs typeface="Times New Roman" panose="02020603050405020304" charset="0"/>
+            </a:endParaRPr>
+          </a:p>
+          <a:p>
+            <a:pPr marL="114300" indent="0">
+              <a:buNone/>
+            </a:pPr>
+            <a:r>
+              <a:rPr lang="en-US" b="1">
+                <a:latin typeface="Times New Roman" panose="02020603050405020304" charset="0"/>
+                <a:cs typeface="Times New Roman" panose="02020603050405020304" charset="0"/>
+              </a:rPr>
+              <a:t>Visualizations &amp; Iterative Analysis</a:t>
+            </a:r>
+            <a:endParaRPr lang="en-US" sz="1800">
+              <a:latin typeface="Times New Roman" panose="02020603050405020304" charset="0"/>
+              <a:cs typeface="Times New Roman" panose="02020603050405020304" charset="0"/>
+            </a:endParaRPr>
+          </a:p>
+          <a:p>
+            <a:r>
+              <a:rPr lang="en-US" sz="1800" b="1">
+                <a:latin typeface="Times New Roman" panose="02020603050405020304" charset="0"/>
+                <a:cs typeface="Times New Roman" panose="02020603050405020304" charset="0"/>
+              </a:rPr>
+              <a:t>Correlation Heatmaps:</a:t>
+            </a:r>
+            <a:r>
+              <a:rPr lang="en-US" sz="1800">
+                <a:latin typeface="Times New Roman" panose="02020603050405020304" charset="0"/>
+                <a:cs typeface="Times New Roman" panose="02020603050405020304" charset="0"/>
+              </a:rPr>
+              <a:t> We will be using different correlation matrices and heatmaps to visualize the different features and how they are connected to each other and when these different features are combined they are more likely to act better when used in a model.</a:t>
+            </a:r>
+            <a:endParaRPr lang="en-US" sz="1800">
+              <a:latin typeface="Times New Roman" panose="02020603050405020304" charset="0"/>
+              <a:cs typeface="Times New Roman" panose="02020603050405020304" charset="0"/>
+            </a:endParaRPr>
+          </a:p>
+          <a:p>
+            <a:r>
+              <a:rPr lang="en-US" sz="1800" b="1">
+                <a:latin typeface="Times New Roman" panose="02020603050405020304" charset="0"/>
+                <a:cs typeface="Times New Roman" panose="02020603050405020304" charset="0"/>
+              </a:rPr>
+              <a:t>Continuous Refinement: </a:t>
+            </a:r>
+            <a:r>
+              <a:rPr lang="en-US" sz="1800">
+                <a:latin typeface="Times New Roman" panose="02020603050405020304" charset="0"/>
+                <a:cs typeface="Times New Roman" panose="02020603050405020304" charset="0"/>
+              </a:rPr>
+              <a:t>At last continous feedbacks from users and iterative analysis of features would make model more and more better in the future and will be applicable in different real time application.</a:t>
+            </a:r>
+            <a:endParaRPr lang="en-US" sz="1800">
+              <a:latin typeface="Times New Roman" panose="02020603050405020304" charset="0"/>
+              <a:cs typeface="Times New Roman" panose="02020603050405020304" charset="0"/>
+            </a:endParaRPr>
+          </a:p>
+        </p:txBody>
+      </p:sp>
+      <p:sp>
+        <p:nvSpPr>
+          <p:cNvPr id="5" name="Slide Number Placeholder 4"/>
+          <p:cNvSpPr>
+            <a:spLocks noGrp="1"/>
+          </p:cNvSpPr>
+          <p:nvPr>
+            <p:ph type="sldNum" idx="12"/>
+          </p:nvPr>
+        </p:nvSpPr>
+        <p:spPr/>
+        <p:txBody>
+          <a:bodyPr/>
+          <a:p>
+            <a:pPr marL="0" lvl="0" indent="0" algn="r" rtl="0">
+              <a:spcBef>
+                <a:spcPts val="0"/>
+              </a:spcBef>
+              <a:spcAft>
+                <a:spcPts val="0"/>
+              </a:spcAft>
+              <a:buNone/>
+            </a:pPr>
+            <a:fld id="{00000000-1234-1234-1234-123412341234}" type="slidenum">
+              <a:rPr lang="en-US"/>
+            </a:fld>
+            <a:endParaRPr lang="en-US"/>
+          </a:p>
+        </p:txBody>
+      </p:sp>
+    </p:spTree>
+  </p:cSld>
+  <p:clrMapOvr>
+    <a:masterClrMapping/>
+  </p:clrMapOvr>
+</p:sld>
+</file>
+
+<file path=ppt/slides/slide15.xml><?xml version="1.0" encoding="utf-8"?>
+<p:sld xmlns:a="http://schemas.openxmlformats.org/drawingml/2006/main" xmlns:r="http://schemas.openxmlformats.org/officeDocument/2006/relationships" xmlns:p="http://schemas.openxmlformats.org/presentationml/2006/main">
+  <p:cSld>
+    <p:spTree>
+      <p:nvGrpSpPr>
+        <p:cNvPr id="1" name=""/>
+        <p:cNvGrpSpPr/>
+        <p:nvPr/>
+      </p:nvGrpSpPr>
+      <p:grpSpPr/>
+      <p:sp>
+        <p:nvSpPr>
+          <p:cNvPr id="7" name="Text Placeholder 6"/>
+          <p:cNvSpPr/>
+          <p:nvPr>
+            <p:ph type="body" idx="1"/>
+          </p:nvPr>
+        </p:nvSpPr>
+        <p:spPr>
+          <a:xfrm>
+            <a:off x="4031615" y="2878455"/>
+            <a:ext cx="4128770" cy="1100455"/>
+          </a:xfrm>
+        </p:spPr>
+        <p:txBody>
+          <a:bodyPr anchor="ctr" anchorCtr="0"/>
+          <a:p>
+            <a:pPr marL="114300" indent="0" algn="ctr" fontAlgn="ctr">
+              <a:lnSpc>
+                <a:spcPct val="100000"/>
+              </a:lnSpc>
+              <a:buNone/>
+            </a:pPr>
+            <a:r>
+              <a:rPr lang="en-US" sz="5000" b="1"/>
+              <a:t>THANK YOU!</a:t>
+            </a:r>
+            <a:endParaRPr lang="en-US" sz="5000" b="1"/>
+          </a:p>
+        </p:txBody>
+      </p:sp>
+      <p:sp>
+        <p:nvSpPr>
+          <p:cNvPr id="5" name="Slide Number Placeholder 4"/>
+          <p:cNvSpPr>
+            <a:spLocks noGrp="1"/>
+          </p:cNvSpPr>
+          <p:nvPr>
+            <p:ph type="sldNum" idx="12"/>
+          </p:nvPr>
+        </p:nvSpPr>
+        <p:spPr/>
+        <p:txBody>
+          <a:bodyPr/>
+          <a:p>
+            <a:pPr marL="0" lvl="0" indent="0" algn="r" rtl="0">
+              <a:spcBef>
+                <a:spcPts val="0"/>
+              </a:spcBef>
+              <a:spcAft>
+                <a:spcPts val="0"/>
+              </a:spcAft>
+              <a:buNone/>
+            </a:pPr>
+            <a:fld id="{00000000-1234-1234-1234-123412341234}" type="slidenum">
+              <a:rPr lang="en-US"/>
+            </a:fld>
+            <a:endParaRPr lang="en-US"/>
           </a:p>
         </p:txBody>
       </p:sp>
@@ -13818,6 +15087,99 @@
                 <a:sym typeface="Times New Roman" panose="02020603050405020304"/>
               </a:rPr>
               <a:t>Project Implementation Plan</a:t>
+            </a:r>
+            <a:endParaRPr lang="en-US" sz="3200">
+              <a:latin typeface="Times New Roman" panose="02020603050405020304"/>
+              <a:ea typeface="Times New Roman" panose="02020603050405020304"/>
+              <a:cs typeface="Times New Roman" panose="02020603050405020304"/>
+              <a:sym typeface="Times New Roman" panose="02020603050405020304"/>
+            </a:endParaRPr>
+          </a:p>
+          <a:p>
+            <a:pPr marL="457200" lvl="0" indent="-368300" algn="l" rtl="0">
+              <a:lnSpc>
+                <a:spcPct val="90000"/>
+              </a:lnSpc>
+              <a:spcBef>
+                <a:spcPts val="0"/>
+              </a:spcBef>
+              <a:spcAft>
+                <a:spcPts val="0"/>
+              </a:spcAft>
+              <a:buSzPts val="2200"/>
+              <a:buFont typeface="Times New Roman" panose="02020603050405020304"/>
+              <a:buChar char="•"/>
+            </a:pPr>
+            <a:r>
+              <a:rPr lang="en-US" sz="3200">
+                <a:latin typeface="Times New Roman" panose="02020603050405020304"/>
+                <a:ea typeface="Times New Roman" panose="02020603050405020304"/>
+                <a:cs typeface="Times New Roman" panose="02020603050405020304"/>
+                <a:sym typeface="Times New Roman" panose="02020603050405020304"/>
+              </a:rPr>
+              <a:t>Preliminary Design of Project</a:t>
+            </a:r>
+            <a:endParaRPr lang="en-US" sz="3200">
+              <a:latin typeface="Times New Roman" panose="02020603050405020304"/>
+              <a:ea typeface="Times New Roman" panose="02020603050405020304"/>
+              <a:cs typeface="Times New Roman" panose="02020603050405020304"/>
+              <a:sym typeface="Times New Roman" panose="02020603050405020304"/>
+            </a:endParaRPr>
+          </a:p>
+          <a:p>
+            <a:pPr marL="457200" lvl="0" indent="-368300" algn="l" rtl="0">
+              <a:lnSpc>
+                <a:spcPct val="90000"/>
+              </a:lnSpc>
+              <a:spcBef>
+                <a:spcPts val="0"/>
+              </a:spcBef>
+              <a:spcAft>
+                <a:spcPts val="0"/>
+              </a:spcAft>
+              <a:buSzPts val="2200"/>
+              <a:buFont typeface="Times New Roman" panose="02020603050405020304"/>
+              <a:buChar char="•"/>
+            </a:pPr>
+            <a:r>
+              <a:rPr lang="en-US" sz="3200">
+                <a:latin typeface="Times New Roman" panose="02020603050405020304"/>
+                <a:ea typeface="Times New Roman" panose="02020603050405020304"/>
+                <a:cs typeface="Times New Roman" panose="02020603050405020304"/>
+                <a:sym typeface="Times New Roman" panose="02020603050405020304"/>
+              </a:rPr>
+              <a:t>Methodology used</a:t>
+            </a:r>
+            <a:endParaRPr lang="en-US" sz="3200">
+              <a:latin typeface="Times New Roman" panose="02020603050405020304"/>
+              <a:ea typeface="Times New Roman" panose="02020603050405020304"/>
+              <a:cs typeface="Times New Roman" panose="02020603050405020304"/>
+              <a:sym typeface="Times New Roman" panose="02020603050405020304"/>
+            </a:endParaRPr>
+          </a:p>
+          <a:p>
+            <a:pPr marL="457200" lvl="0" indent="-368300" algn="l" rtl="0">
+              <a:lnSpc>
+                <a:spcPct val="90000"/>
+              </a:lnSpc>
+              <a:spcBef>
+                <a:spcPts val="0"/>
+              </a:spcBef>
+              <a:spcAft>
+                <a:spcPts val="0"/>
+              </a:spcAft>
+              <a:buSzPts val="2200"/>
+              <a:buFont typeface="Times New Roman" panose="02020603050405020304"/>
+              <a:buChar char="•"/>
+            </a:pPr>
+            <a:r>
+              <a:rPr lang="en-US" sz="3200">
+                <a:latin typeface="Times New Roman" panose="02020603050405020304"/>
+                <a:ea typeface="Times New Roman" panose="02020603050405020304"/>
+                <a:cs typeface="Times New Roman" panose="02020603050405020304"/>
+                <a:sym typeface="Times New Roman" panose="02020603050405020304"/>
+              </a:rPr>
+              <a:t>Features Analysis of Project</a:t>
             </a:r>
             <a:endParaRPr sz="3200">
               <a:latin typeface="Times New Roman" panose="02020603050405020304"/>
@@ -14049,7 +15411,85 @@
                 <a:cs typeface="Times New Roman" panose="02020603050405020304"/>
                 <a:sym typeface="Times New Roman" panose="02020603050405020304"/>
               </a:rPr>
-              <a:t>This project endeavors to build a predictive model for mental health estimation by analyzing diverse lifestyle factors, particularly stress levels. The dataset includes information from participants, considering age, gender, and occupation (Student, Corporate, Others), among other factors. Employing a machine learning regression model, the project aims to correlate these inputs with self-reported stress scale responses and physiological indicators. </a:t>
+              <a:t>This project endeavors to build a</a:t>
+            </a:r>
+            <a:r>
+              <a:rPr lang="en-US" sz="2400" b="1">
+                <a:solidFill>
+                  <a:schemeClr val="tx1"/>
+                </a:solidFill>
+                <a:uFillTx/>
+                <a:latin typeface="Times New Roman" panose="02020603050405020304" charset="0"/>
+                <a:ea typeface="Times New Roman" panose="02020603050405020304"/>
+                <a:cs typeface="Times New Roman" panose="02020603050405020304"/>
+                <a:sym typeface="Times New Roman" panose="02020603050405020304"/>
+              </a:rPr>
+              <a:t> </a:t>
+            </a:r>
+            <a:r>
+              <a:rPr lang="en-US" sz="2400">
+                <a:solidFill>
+                  <a:schemeClr val="tx1"/>
+                </a:solidFill>
+                <a:uFillTx/>
+                <a:latin typeface="Times New Roman" panose="02020603050405020304" charset="0"/>
+                <a:ea typeface="Times New Roman" panose="02020603050405020304"/>
+                <a:cs typeface="Times New Roman" panose="02020603050405020304"/>
+                <a:sym typeface="Times New Roman" panose="02020603050405020304"/>
+              </a:rPr>
+              <a:t>predictive model for </a:t>
+            </a:r>
+            <a:r>
+              <a:rPr lang="en-US" sz="2400" b="1">
+                <a:solidFill>
+                  <a:schemeClr val="tx1"/>
+                </a:solidFill>
+                <a:uFillTx/>
+                <a:latin typeface="Times New Roman" panose="02020603050405020304" charset="0"/>
+                <a:ea typeface="Times New Roman" panose="02020603050405020304"/>
+                <a:cs typeface="Times New Roman" panose="02020603050405020304"/>
+                <a:sym typeface="Times New Roman" panose="02020603050405020304"/>
+              </a:rPr>
+              <a:t>mental health estimation based on phone usage</a:t>
+            </a:r>
+            <a:r>
+              <a:rPr lang="en-US" sz="2400">
+                <a:solidFill>
+                  <a:schemeClr val="tx1"/>
+                </a:solidFill>
+                <a:uFillTx/>
+                <a:latin typeface="Times New Roman" panose="02020603050405020304" charset="0"/>
+                <a:ea typeface="Times New Roman" panose="02020603050405020304"/>
+                <a:cs typeface="Times New Roman" panose="02020603050405020304"/>
+                <a:sym typeface="Times New Roman" panose="02020603050405020304"/>
+              </a:rPr>
+              <a:t> by analyzing diverse lifestyle factors, particularly stress levels. The dataset includes information from participants, considering age, gender, and occupation (Student, Corporate, Others), among other factors. Employing different </a:t>
+            </a:r>
+            <a:r>
+              <a:rPr lang="en-US" sz="2400" b="1">
+                <a:solidFill>
+                  <a:schemeClr val="tx1"/>
+                </a:solidFill>
+                <a:uFillTx/>
+                <a:latin typeface="Times New Roman" panose="02020603050405020304" charset="0"/>
+                <a:ea typeface="Times New Roman" panose="02020603050405020304"/>
+                <a:cs typeface="Times New Roman" panose="02020603050405020304"/>
+                <a:sym typeface="Times New Roman" panose="02020603050405020304"/>
+              </a:rPr>
+              <a:t>machine learning models</a:t>
+            </a:r>
+            <a:r>
+              <a:rPr lang="en-US" sz="2400">
+                <a:solidFill>
+                  <a:schemeClr val="tx1"/>
+                </a:solidFill>
+                <a:uFillTx/>
+                <a:latin typeface="Times New Roman" panose="02020603050405020304" charset="0"/>
+                <a:ea typeface="Times New Roman" panose="02020603050405020304"/>
+                <a:cs typeface="Times New Roman" panose="02020603050405020304"/>
+                <a:sym typeface="Times New Roman" panose="02020603050405020304"/>
+              </a:rPr>
+              <a:t>, the project aims to correlate these inputs with self-reported stress scale responses and physiological indicators. </a:t>
             </a:r>
             <a:endParaRPr lang="en-US" sz="2400">
               <a:solidFill>
@@ -14091,7 +15531,33 @@
                 <a:cs typeface="Times New Roman" panose="02020603050405020304"/>
                 <a:sym typeface="Times New Roman" panose="02020603050405020304"/>
               </a:rPr>
-              <a:t>Focused on stress prediction as a proxy for mental well-being, the project emphasizes ethical considerations, ensuring participant privacy. Real-world applications span personalized interventions in counseling, corporate wellness programs, and targeted healthcare strategies, addressing the critical intersection of mental health awareness and technology's role in stress comprehension.</a:t>
+              <a:t>Focused on </a:t>
+            </a:r>
+            <a:r>
+              <a:rPr lang="en-US" sz="2400" b="1">
+                <a:solidFill>
+                  <a:schemeClr val="tx1"/>
+                </a:solidFill>
+                <a:uFillTx/>
+                <a:latin typeface="Times New Roman" panose="02020603050405020304" charset="0"/>
+                <a:ea typeface="Times New Roman" panose="02020603050405020304"/>
+                <a:cs typeface="Times New Roman" panose="02020603050405020304"/>
+                <a:sym typeface="Times New Roman" panose="02020603050405020304"/>
+              </a:rPr>
+              <a:t>stress prediction</a:t>
+            </a:r>
+            <a:r>
+              <a:rPr lang="en-US" sz="2400">
+                <a:solidFill>
+                  <a:schemeClr val="tx1"/>
+                </a:solidFill>
+                <a:uFillTx/>
+                <a:latin typeface="Times New Roman" panose="02020603050405020304" charset="0"/>
+                <a:ea typeface="Times New Roman" panose="02020603050405020304"/>
+                <a:cs typeface="Times New Roman" panose="02020603050405020304"/>
+                <a:sym typeface="Times New Roman" panose="02020603050405020304"/>
+              </a:rPr>
+              <a:t> as a proxy for mental well-being, the project emphasizes ethical considerations, ensuring participant privacy. Real-world applications span personalized interventions in counseling, corporate wellness programs, and targeted healthcare strategies, addressing the critical intersection of mental health awareness and technology's role in stress comprehension.</a:t>
             </a:r>
             <a:endParaRPr lang="en-US" sz="2400">
               <a:solidFill>
@@ -14162,6 +15628,141 @@
   <p:cSld>
     <p:spTree>
       <p:nvGrpSpPr>
+        <p:cNvPr id="1" name=""/>
+        <p:cNvGrpSpPr/>
+        <p:nvPr/>
+      </p:nvGrpSpPr>
+      <p:grpSpPr/>
+      <p:sp>
+        <p:nvSpPr>
+          <p:cNvPr id="18" name="Title 17"/>
+          <p:cNvSpPr/>
+          <p:nvPr>
+            <p:ph type="title"/>
+          </p:nvPr>
+        </p:nvSpPr>
+        <p:spPr>
+          <a:xfrm>
+            <a:off x="706120" y="2678430"/>
+            <a:ext cx="3950335" cy="1561465"/>
+          </a:xfrm>
+        </p:spPr>
+        <p:txBody>
+          <a:bodyPr/>
+          <a:p>
+            <a:pPr algn="ctr"/>
+            <a:r>
+              <a:rPr lang="en-US" sz="4400">
+                <a:latin typeface="Times New Roman" panose="02020603050405020304" charset="0"/>
+                <a:cs typeface="Times New Roman" panose="02020603050405020304" charset="0"/>
+              </a:rPr>
+              <a:t>Project </a:t>
+            </a:r>
+            <a:br>
+              <a:rPr lang="en-US" sz="4400">
+                <a:latin typeface="Times New Roman" panose="02020603050405020304" charset="0"/>
+                <a:cs typeface="Times New Roman" panose="02020603050405020304" charset="0"/>
+              </a:rPr>
+            </a:br>
+            <a:r>
+              <a:rPr lang="en-US" sz="4400">
+                <a:latin typeface="Times New Roman" panose="02020603050405020304" charset="0"/>
+                <a:cs typeface="Times New Roman" panose="02020603050405020304" charset="0"/>
+              </a:rPr>
+              <a:t>Timelines </a:t>
+            </a:r>
+            <a:endParaRPr lang="en-US" sz="4400">
+              <a:latin typeface="Times New Roman" panose="02020603050405020304" charset="0"/>
+              <a:cs typeface="Times New Roman" panose="02020603050405020304" charset="0"/>
+            </a:endParaRPr>
+          </a:p>
+        </p:txBody>
+      </p:sp>
+      <p:sp>
+        <p:nvSpPr>
+          <p:cNvPr id="19" name="Text Placeholder 18"/>
+          <p:cNvSpPr/>
+          <p:nvPr>
+            <p:ph type="body" idx="1"/>
+          </p:nvPr>
+        </p:nvSpPr>
+        <p:spPr/>
+        <p:txBody>
+          <a:bodyPr/>
+          <a:p>
+            <a:endParaRPr lang="en-US"/>
+          </a:p>
+        </p:txBody>
+      </p:sp>
+      <p:sp>
+        <p:nvSpPr>
+          <p:cNvPr id="5" name="Slide Number Placeholder 4"/>
+          <p:cNvSpPr>
+            <a:spLocks noGrp="1"/>
+          </p:cNvSpPr>
+          <p:nvPr>
+            <p:ph type="sldNum" idx="12"/>
+          </p:nvPr>
+        </p:nvSpPr>
+        <p:spPr/>
+        <p:txBody>
+          <a:bodyPr/>
+          <a:p>
+            <a:pPr marL="0" lvl="0" indent="0" algn="r" rtl="0">
+              <a:spcBef>
+                <a:spcPts val="0"/>
+              </a:spcBef>
+              <a:spcAft>
+                <a:spcPts val="0"/>
+              </a:spcAft>
+              <a:buNone/>
+            </a:pPr>
+            <a:fld id="{00000000-1234-1234-1234-123412341234}" type="slidenum">
+              <a:rPr lang="en-US"/>
+            </a:fld>
+            <a:endParaRPr lang="en-US"/>
+          </a:p>
+        </p:txBody>
+      </p:sp>
+      <p:pic>
+        <p:nvPicPr>
+          <p:cNvPr id="11" name="Picture Placeholder 10" descr="Screenshot (82)"/>
+          <p:cNvPicPr>
+            <a:picLocks noChangeAspect="1"/>
+          </p:cNvPicPr>
+          <p:nvPr>
+            <p:ph type="pic" idx="4294967295"/>
+          </p:nvPr>
+        </p:nvPicPr>
+        <p:blipFill>
+          <a:blip r:embed="rId1"/>
+          <a:stretch>
+            <a:fillRect/>
+          </a:stretch>
+        </p:blipFill>
+        <p:spPr>
+          <a:xfrm>
+            <a:off x="4656455" y="267335"/>
+            <a:ext cx="6967855" cy="6383655"/>
+          </a:xfrm>
+          <a:prstGeom prst="rect">
+            <a:avLst/>
+          </a:prstGeom>
+        </p:spPr>
+      </p:pic>
+    </p:spTree>
+  </p:cSld>
+  <p:clrMapOvr>
+    <a:masterClrMapping/>
+  </p:clrMapOvr>
+</p:sld>
+</file>
+
+<file path=ppt/slides/slide5.xml><?xml version="1.0" encoding="utf-8"?>
+<p:sld xmlns:a="http://schemas.openxmlformats.org/drawingml/2006/main" xmlns:r="http://schemas.openxmlformats.org/officeDocument/2006/relationships" xmlns:p="http://schemas.openxmlformats.org/presentationml/2006/main">
+  <p:cSld>
+    <p:spTree>
+      <p:nvGrpSpPr>
         <p:cNvPr id="125" name="Shape 125"/>
         <p:cNvGrpSpPr/>
         <p:nvPr/>
@@ -14237,8 +15838,8 @@
         </p:nvSpPr>
         <p:spPr>
           <a:xfrm>
-            <a:off x="838200" y="1544320"/>
-            <a:ext cx="10515600" cy="5036820"/>
+            <a:off x="838200" y="1332230"/>
+            <a:ext cx="10515600" cy="5248910"/>
           </a:xfrm>
           <a:prstGeom prst="rect">
             <a:avLst/>
@@ -14308,7 +15909,7 @@
                 <a:cs typeface="Times New Roman" panose="02020603050405020304"/>
                 <a:sym typeface="Times New Roman" panose="02020603050405020304"/>
               </a:rPr>
-              <a:t>By gathering diverse data from participants, including age, gender, occupation, sleep patterns, physical activity, and dietary habits, the project will encompass a wide range of lifestyle factors to ensure a comprehensive dataset for mental health analysis.</a:t>
+              <a:t>By gathering diverse data from different datasets available and survey from participants, including age, gender, occupation, sleep patterns, physical activity, and dietary habits, the project will encompass a wide range of lifestyle factors to ensure a comprehensive dataset for mental health analysis.</a:t>
             </a:r>
             <a:endParaRPr lang="en-US" sz="2000">
               <a:latin typeface="Times New Roman" panose="02020603050405020304"/>
@@ -14376,7 +15977,25 @@
                 <a:cs typeface="Times New Roman" panose="02020603050405020304"/>
                 <a:sym typeface="Times New Roman" panose="02020603050405020304"/>
               </a:rPr>
-              <a:t>Build a machine learning regression model to predict individuals' mental health based on stress levels and utilize advanced algorithms to establish correlations between lifestyle factors, stress responses, and physiological indicators.</a:t>
+              <a:t>Build a machine learning </a:t>
+            </a:r>
+            <a:r>
+              <a:rPr lang="en-US" sz="2000" b="1">
+                <a:latin typeface="Times New Roman" panose="02020603050405020304"/>
+                <a:ea typeface="Times New Roman" panose="02020603050405020304"/>
+                <a:cs typeface="Times New Roman" panose="02020603050405020304"/>
+                <a:sym typeface="Times New Roman" panose="02020603050405020304"/>
+              </a:rPr>
+              <a:t>classification model</a:t>
+            </a:r>
+            <a:r>
+              <a:rPr lang="en-US" sz="2000">
+                <a:latin typeface="Times New Roman" panose="02020603050405020304"/>
+                <a:ea typeface="Times New Roman" panose="02020603050405020304"/>
+                <a:cs typeface="Times New Roman" panose="02020603050405020304"/>
+                <a:sym typeface="Times New Roman" panose="02020603050405020304"/>
+              </a:rPr>
+              <a:t> to predict individuals' mental health based on sas-sv scale and utilize advanced algorithms to establish correlations between lifestyle factors, stress responses, and physiological indicators.</a:t>
             </a:r>
             <a:endParaRPr lang="en-US" sz="2000">
               <a:latin typeface="Times New Roman" panose="02020603050405020304"/>
@@ -14524,7 +16143,7 @@
 </p:sld>
 </file>
 
-<file path=ppt/slides/slide5.xml><?xml version="1.0" encoding="utf-8"?>
+<file path=ppt/slides/slide6.xml><?xml version="1.0" encoding="utf-8"?>
 <p:sld xmlns:a="http://schemas.openxmlformats.org/drawingml/2006/main" xmlns:r="http://schemas.openxmlformats.org/officeDocument/2006/relationships" xmlns:p="http://schemas.openxmlformats.org/presentationml/2006/main">
   <p:cSld>
     <p:spTree>
@@ -14835,7 +16454,7 @@
 </p:sld>
 </file>
 
-<file path=ppt/slides/slide6.xml><?xml version="1.0" encoding="utf-8"?>
+<file path=ppt/slides/slide7.xml><?xml version="1.0" encoding="utf-8"?>
 <p:sld xmlns:a="http://schemas.openxmlformats.org/drawingml/2006/main" xmlns:r="http://schemas.openxmlformats.org/officeDocument/2006/relationships" xmlns:p="http://schemas.openxmlformats.org/presentationml/2006/main">
   <p:cSld>
     <p:spTree>
@@ -15093,7 +16712,7 @@
                 <a:cs typeface="Times New Roman" panose="02020603050405020304"/>
                 <a:sym typeface="Times New Roman" panose="02020603050405020304"/>
               </a:rPr>
-              <a:t>Select and implement an appropriate machine learning regression model. </a:t>
+              <a:t>Select and implement an appropriate machine learning classification model. </a:t>
             </a:r>
             <a:endParaRPr lang="en-US" sz="2000">
               <a:latin typeface="Times New Roman" panose="02020603050405020304"/>
@@ -15259,7 +16878,7 @@
 </p:sld>
 </file>
 
-<file path=ppt/slides/slide7.xml><?xml version="1.0" encoding="utf-8"?>
+<file path=ppt/slides/slide8.xml><?xml version="1.0" encoding="utf-8"?>
 <p:sld xmlns:a="http://schemas.openxmlformats.org/drawingml/2006/main" xmlns:r="http://schemas.openxmlformats.org/officeDocument/2006/relationships" xmlns:p="http://schemas.openxmlformats.org/presentationml/2006/main">
   <p:cSld>
     <p:spTree>
@@ -15634,7 +17253,7 @@
 </p:sld>
 </file>
 
-<file path=ppt/slides/slide8.xml><?xml version="1.0" encoding="utf-8"?>
+<file path=ppt/slides/slide9.xml><?xml version="1.0" encoding="utf-8"?>
 <p:sld xmlns:a="http://schemas.openxmlformats.org/drawingml/2006/main" xmlns:r="http://schemas.openxmlformats.org/officeDocument/2006/relationships" xmlns:p="http://schemas.openxmlformats.org/presentationml/2006/main">
   <p:cSld>
     <p:spTree>
@@ -15646,32 +17265,42 @@
       <p:grpSpPr/>
       <p:sp>
         <p:nvSpPr>
-          <p:cNvPr id="7" name="Text Placeholder 6"/>
+          <p:cNvPr id="12" name="Title 11"/>
+          <p:cNvSpPr/>
+          <p:nvPr>
+            <p:ph type="title"/>
+          </p:nvPr>
+        </p:nvSpPr>
+        <p:spPr/>
+        <p:txBody>
+          <a:bodyPr/>
+          <a:p>
+            <a:pPr algn="ctr"/>
+            <a:r>
+              <a:rPr lang="en-US" b="1">
+                <a:latin typeface="Times New Roman" panose="02020603050405020304" charset="0"/>
+                <a:cs typeface="Times New Roman" panose="02020603050405020304" charset="0"/>
+                <a:sym typeface="+mn-ea"/>
+              </a:rPr>
+              <a:t>Preliminary Design</a:t>
+            </a:r>
+            <a:endParaRPr lang="en-US"/>
+          </a:p>
+        </p:txBody>
+      </p:sp>
+      <p:sp>
+        <p:nvSpPr>
+          <p:cNvPr id="13" name="Text Placeholder 12"/>
           <p:cNvSpPr/>
           <p:nvPr>
             <p:ph type="body" idx="1"/>
           </p:nvPr>
         </p:nvSpPr>
-        <p:spPr>
-          <a:xfrm>
-            <a:off x="4031615" y="2878455"/>
-            <a:ext cx="4128770" cy="1100455"/>
-          </a:xfrm>
-        </p:spPr>
+        <p:spPr/>
         <p:txBody>
-          <a:bodyPr anchor="ctr" anchorCtr="0"/>
+          <a:bodyPr/>
           <a:p>
-            <a:pPr marL="114300" indent="0" algn="ctr" fontAlgn="ctr">
-              <a:lnSpc>
-                <a:spcPct val="100000"/>
-              </a:lnSpc>
-              <a:buNone/>
-            </a:pPr>
-            <a:r>
-              <a:rPr lang="en-US" sz="5000" b="1"/>
-              <a:t>THANK YOU!</a:t>
-            </a:r>
-            <a:endParaRPr lang="en-US" sz="5000" b="1"/>
+            <a:endParaRPr lang="en-US"/>
           </a:p>
         </p:txBody>
       </p:sp>
@@ -15705,6 +17334,32 @@
           </a:p>
         </p:txBody>
       </p:sp>
+      <p:pic>
+        <p:nvPicPr>
+          <p:cNvPr id="8" name="Picture Placeholder 7" descr="Screenshot (81)"/>
+          <p:cNvPicPr>
+            <a:picLocks noChangeAspect="1"/>
+          </p:cNvPicPr>
+          <p:nvPr>
+            <p:ph type="pic" idx="4294967295"/>
+          </p:nvPr>
+        </p:nvPicPr>
+        <p:blipFill>
+          <a:blip r:embed="rId1"/>
+          <a:stretch>
+            <a:fillRect/>
+          </a:stretch>
+        </p:blipFill>
+        <p:spPr>
+          <a:xfrm>
+            <a:off x="816610" y="1691640"/>
+            <a:ext cx="10537825" cy="4442460"/>
+          </a:xfrm>
+          <a:prstGeom prst="rect">
+            <a:avLst/>
+          </a:prstGeom>
+        </p:spPr>
+      </p:pic>
     </p:spTree>
   </p:cSld>
   <p:clrMapOvr>
